--- a/ppt 16-9/0922.万国的大使命.pptx
+++ b/ppt 16-9/0922.万国的大使命.pptx
@@ -129,7 +129,7 @@
           <p:cNvPr id="2" name="标题 1">
             <a:extLst>
               <a:ext uri="{FF2B5EF4-FFF2-40B4-BE49-F238E27FC236}">
-                <a16:creationId xmlns:a16="http://schemas.microsoft.com/office/drawing/2014/main" id="{5CD0EBEB-4B0B-C9A7-7A3E-78AD3D681667}"/>
+                <a16:creationId xmlns:a16="http://schemas.microsoft.com/office/drawing/2014/main" id="{DC10F998-A61D-AED0-54F5-BB118BF58458}"/>
               </a:ext>
             </a:extLst>
           </p:cNvPr>
@@ -166,7 +166,7 @@
           <p:cNvPr id="3" name="副标题 2">
             <a:extLst>
               <a:ext uri="{FF2B5EF4-FFF2-40B4-BE49-F238E27FC236}">
-                <a16:creationId xmlns:a16="http://schemas.microsoft.com/office/drawing/2014/main" id="{8EBB4D31-376E-A756-4AB4-194C263FAA94}"/>
+                <a16:creationId xmlns:a16="http://schemas.microsoft.com/office/drawing/2014/main" id="{139798D8-898A-F970-ACC1-07862A28E3B5}"/>
               </a:ext>
             </a:extLst>
           </p:cNvPr>
@@ -236,7 +236,7 @@
           <p:cNvPr id="4" name="日期占位符 3">
             <a:extLst>
               <a:ext uri="{FF2B5EF4-FFF2-40B4-BE49-F238E27FC236}">
-                <a16:creationId xmlns:a16="http://schemas.microsoft.com/office/drawing/2014/main" id="{ECC59867-8905-7F52-CF62-A0D1797757D7}"/>
+                <a16:creationId xmlns:a16="http://schemas.microsoft.com/office/drawing/2014/main" id="{6D4B1344-B21D-AABC-693E-F97000CCC88F}"/>
               </a:ext>
             </a:extLst>
           </p:cNvPr>
@@ -252,7 +252,7 @@
           <a:bodyPr/>
           <a:lstStyle/>
           <a:p>
-            <a:fld id="{4A5B5DF9-4ACB-47ED-943A-F3A3B12B7394}" type="datetimeFigureOut">
+            <a:fld id="{1C5965E6-2484-425C-AF3F-FFC1A3A713AE}" type="datetimeFigureOut">
               <a:rPr lang="zh-CN" altLang="en-US" smtClean="0"/>
               <a:t>2024/3/10</a:t>
             </a:fld>
@@ -265,7 +265,7 @@
           <p:cNvPr id="5" name="页脚占位符 4">
             <a:extLst>
               <a:ext uri="{FF2B5EF4-FFF2-40B4-BE49-F238E27FC236}">
-                <a16:creationId xmlns:a16="http://schemas.microsoft.com/office/drawing/2014/main" id="{DE144352-4689-AE2C-9924-FA59C52B1048}"/>
+                <a16:creationId xmlns:a16="http://schemas.microsoft.com/office/drawing/2014/main" id="{CC8F1FFD-29F7-8DB9-BD76-1B346DB61515}"/>
               </a:ext>
             </a:extLst>
           </p:cNvPr>
@@ -290,7 +290,7 @@
           <p:cNvPr id="6" name="灯片编号占位符 5">
             <a:extLst>
               <a:ext uri="{FF2B5EF4-FFF2-40B4-BE49-F238E27FC236}">
-                <a16:creationId xmlns:a16="http://schemas.microsoft.com/office/drawing/2014/main" id="{C8463341-28B6-D2D7-3B87-512C6EF8A62D}"/>
+                <a16:creationId xmlns:a16="http://schemas.microsoft.com/office/drawing/2014/main" id="{0C36DF26-8E14-6CCC-AEC9-AFE162B8094C}"/>
               </a:ext>
             </a:extLst>
           </p:cNvPr>
@@ -306,7 +306,7 @@
           <a:bodyPr/>
           <a:lstStyle/>
           <a:p>
-            <a:fld id="{CEBE8C77-AB4B-48F0-A74E-B6A38C21CB2D}" type="slidenum">
+            <a:fld id="{1B2AABF7-AD18-4DA6-B784-FD7E0A61CCF2}" type="slidenum">
               <a:rPr lang="zh-CN" altLang="en-US" smtClean="0"/>
               <a:t>‹#›</a:t>
             </a:fld>
@@ -317,7 +317,7 @@
     </p:spTree>
     <p:extLst>
       <p:ext uri="{BB962C8B-B14F-4D97-AF65-F5344CB8AC3E}">
-        <p14:creationId xmlns:p14="http://schemas.microsoft.com/office/powerpoint/2010/main" val="2322489239"/>
+        <p14:creationId xmlns:p14="http://schemas.microsoft.com/office/powerpoint/2010/main" val="3587728036"/>
       </p:ext>
     </p:extLst>
   </p:cSld>
@@ -349,7 +349,7 @@
           <p:cNvPr id="2" name="标题 1">
             <a:extLst>
               <a:ext uri="{FF2B5EF4-FFF2-40B4-BE49-F238E27FC236}">
-                <a16:creationId xmlns:a16="http://schemas.microsoft.com/office/drawing/2014/main" id="{ABAF1C99-3CF7-7A9D-E922-B7BBF8A3C4A7}"/>
+                <a16:creationId xmlns:a16="http://schemas.microsoft.com/office/drawing/2014/main" id="{F5F44A5B-7D5A-2945-C62D-5013739F0095}"/>
               </a:ext>
             </a:extLst>
           </p:cNvPr>
@@ -377,7 +377,7 @@
           <p:cNvPr id="3" name="竖排文字占位符 2">
             <a:extLst>
               <a:ext uri="{FF2B5EF4-FFF2-40B4-BE49-F238E27FC236}">
-                <a16:creationId xmlns:a16="http://schemas.microsoft.com/office/drawing/2014/main" id="{A5923784-4C22-AA1F-7487-DF67A911F418}"/>
+                <a16:creationId xmlns:a16="http://schemas.microsoft.com/office/drawing/2014/main" id="{8721596C-12CF-3A55-FE38-84027111E26C}"/>
               </a:ext>
             </a:extLst>
           </p:cNvPr>
@@ -434,7 +434,7 @@
           <p:cNvPr id="4" name="日期占位符 3">
             <a:extLst>
               <a:ext uri="{FF2B5EF4-FFF2-40B4-BE49-F238E27FC236}">
-                <a16:creationId xmlns:a16="http://schemas.microsoft.com/office/drawing/2014/main" id="{0B95A93F-4512-23B1-8F62-7BF8084AFB52}"/>
+                <a16:creationId xmlns:a16="http://schemas.microsoft.com/office/drawing/2014/main" id="{CFABB5F8-E2AE-35AE-B93B-C2380527C368}"/>
               </a:ext>
             </a:extLst>
           </p:cNvPr>
@@ -450,7 +450,7 @@
           <a:bodyPr/>
           <a:lstStyle/>
           <a:p>
-            <a:fld id="{4A5B5DF9-4ACB-47ED-943A-F3A3B12B7394}" type="datetimeFigureOut">
+            <a:fld id="{1C5965E6-2484-425C-AF3F-FFC1A3A713AE}" type="datetimeFigureOut">
               <a:rPr lang="zh-CN" altLang="en-US" smtClean="0"/>
               <a:t>2024/3/10</a:t>
             </a:fld>
@@ -463,7 +463,7 @@
           <p:cNvPr id="5" name="页脚占位符 4">
             <a:extLst>
               <a:ext uri="{FF2B5EF4-FFF2-40B4-BE49-F238E27FC236}">
-                <a16:creationId xmlns:a16="http://schemas.microsoft.com/office/drawing/2014/main" id="{637ABD57-813A-E18F-0944-27F727AA542A}"/>
+                <a16:creationId xmlns:a16="http://schemas.microsoft.com/office/drawing/2014/main" id="{B972A36E-1018-D099-242C-0B980005BA02}"/>
               </a:ext>
             </a:extLst>
           </p:cNvPr>
@@ -488,7 +488,7 @@
           <p:cNvPr id="6" name="灯片编号占位符 5">
             <a:extLst>
               <a:ext uri="{FF2B5EF4-FFF2-40B4-BE49-F238E27FC236}">
-                <a16:creationId xmlns:a16="http://schemas.microsoft.com/office/drawing/2014/main" id="{7A8A95A6-35E9-8A9D-44AD-AA4498815CA5}"/>
+                <a16:creationId xmlns:a16="http://schemas.microsoft.com/office/drawing/2014/main" id="{C0FCB10B-DAA6-A06F-DF6B-732B1DC3B2FB}"/>
               </a:ext>
             </a:extLst>
           </p:cNvPr>
@@ -504,7 +504,7 @@
           <a:bodyPr/>
           <a:lstStyle/>
           <a:p>
-            <a:fld id="{CEBE8C77-AB4B-48F0-A74E-B6A38C21CB2D}" type="slidenum">
+            <a:fld id="{1B2AABF7-AD18-4DA6-B784-FD7E0A61CCF2}" type="slidenum">
               <a:rPr lang="zh-CN" altLang="en-US" smtClean="0"/>
               <a:t>‹#›</a:t>
             </a:fld>
@@ -515,7 +515,7 @@
     </p:spTree>
     <p:extLst>
       <p:ext uri="{BB962C8B-B14F-4D97-AF65-F5344CB8AC3E}">
-        <p14:creationId xmlns:p14="http://schemas.microsoft.com/office/powerpoint/2010/main" val="1277575233"/>
+        <p14:creationId xmlns:p14="http://schemas.microsoft.com/office/powerpoint/2010/main" val="3590454906"/>
       </p:ext>
     </p:extLst>
   </p:cSld>
@@ -547,7 +547,7 @@
           <p:cNvPr id="2" name="竖排标题 1">
             <a:extLst>
               <a:ext uri="{FF2B5EF4-FFF2-40B4-BE49-F238E27FC236}">
-                <a16:creationId xmlns:a16="http://schemas.microsoft.com/office/drawing/2014/main" id="{CD7A9C71-928C-4FA5-7101-CB923A51C28E}"/>
+                <a16:creationId xmlns:a16="http://schemas.microsoft.com/office/drawing/2014/main" id="{857A5D5F-0865-AFA6-076E-983D23E1E3CE}"/>
               </a:ext>
             </a:extLst>
           </p:cNvPr>
@@ -580,7 +580,7 @@
           <p:cNvPr id="3" name="竖排文字占位符 2">
             <a:extLst>
               <a:ext uri="{FF2B5EF4-FFF2-40B4-BE49-F238E27FC236}">
-                <a16:creationId xmlns:a16="http://schemas.microsoft.com/office/drawing/2014/main" id="{F40112F5-5913-E823-99AB-4B4ADC701BD5}"/>
+                <a16:creationId xmlns:a16="http://schemas.microsoft.com/office/drawing/2014/main" id="{9967E338-59D3-69F6-612D-2A4F9E33323F}"/>
               </a:ext>
             </a:extLst>
           </p:cNvPr>
@@ -642,7 +642,7 @@
           <p:cNvPr id="4" name="日期占位符 3">
             <a:extLst>
               <a:ext uri="{FF2B5EF4-FFF2-40B4-BE49-F238E27FC236}">
-                <a16:creationId xmlns:a16="http://schemas.microsoft.com/office/drawing/2014/main" id="{D40AF15E-5132-FC6D-B247-C8275FD1B616}"/>
+                <a16:creationId xmlns:a16="http://schemas.microsoft.com/office/drawing/2014/main" id="{7C2F19B3-B572-2CA0-564D-A88CECBDE93E}"/>
               </a:ext>
             </a:extLst>
           </p:cNvPr>
@@ -658,7 +658,7 @@
           <a:bodyPr/>
           <a:lstStyle/>
           <a:p>
-            <a:fld id="{4A5B5DF9-4ACB-47ED-943A-F3A3B12B7394}" type="datetimeFigureOut">
+            <a:fld id="{1C5965E6-2484-425C-AF3F-FFC1A3A713AE}" type="datetimeFigureOut">
               <a:rPr lang="zh-CN" altLang="en-US" smtClean="0"/>
               <a:t>2024/3/10</a:t>
             </a:fld>
@@ -671,7 +671,7 @@
           <p:cNvPr id="5" name="页脚占位符 4">
             <a:extLst>
               <a:ext uri="{FF2B5EF4-FFF2-40B4-BE49-F238E27FC236}">
-                <a16:creationId xmlns:a16="http://schemas.microsoft.com/office/drawing/2014/main" id="{0700EF3A-4561-BA12-D330-F9BFF83EB593}"/>
+                <a16:creationId xmlns:a16="http://schemas.microsoft.com/office/drawing/2014/main" id="{D267EAA3-6A80-CEF1-9584-1709CC43F6BB}"/>
               </a:ext>
             </a:extLst>
           </p:cNvPr>
@@ -696,7 +696,7 @@
           <p:cNvPr id="6" name="灯片编号占位符 5">
             <a:extLst>
               <a:ext uri="{FF2B5EF4-FFF2-40B4-BE49-F238E27FC236}">
-                <a16:creationId xmlns:a16="http://schemas.microsoft.com/office/drawing/2014/main" id="{7C4B7A8C-B4F2-CCD7-462E-47EB07642BB6}"/>
+                <a16:creationId xmlns:a16="http://schemas.microsoft.com/office/drawing/2014/main" id="{703E7345-4AD4-0495-5DD6-9375D511F32D}"/>
               </a:ext>
             </a:extLst>
           </p:cNvPr>
@@ -712,7 +712,7 @@
           <a:bodyPr/>
           <a:lstStyle/>
           <a:p>
-            <a:fld id="{CEBE8C77-AB4B-48F0-A74E-B6A38C21CB2D}" type="slidenum">
+            <a:fld id="{1B2AABF7-AD18-4DA6-B784-FD7E0A61CCF2}" type="slidenum">
               <a:rPr lang="zh-CN" altLang="en-US" smtClean="0"/>
               <a:t>‹#›</a:t>
             </a:fld>
@@ -723,7 +723,7 @@
     </p:spTree>
     <p:extLst>
       <p:ext uri="{BB962C8B-B14F-4D97-AF65-F5344CB8AC3E}">
-        <p14:creationId xmlns:p14="http://schemas.microsoft.com/office/powerpoint/2010/main" val="2756656543"/>
+        <p14:creationId xmlns:p14="http://schemas.microsoft.com/office/powerpoint/2010/main" val="3219606996"/>
       </p:ext>
     </p:extLst>
   </p:cSld>
@@ -755,7 +755,7 @@
           <p:cNvPr id="2" name="标题 1">
             <a:extLst>
               <a:ext uri="{FF2B5EF4-FFF2-40B4-BE49-F238E27FC236}">
-                <a16:creationId xmlns:a16="http://schemas.microsoft.com/office/drawing/2014/main" id="{2E8D701A-22B4-DDCA-14DA-7AE77B56385D}"/>
+                <a16:creationId xmlns:a16="http://schemas.microsoft.com/office/drawing/2014/main" id="{EE1676C1-0E88-0130-0F40-32E645729299}"/>
               </a:ext>
             </a:extLst>
           </p:cNvPr>
@@ -783,7 +783,7 @@
           <p:cNvPr id="3" name="内容占位符 2">
             <a:extLst>
               <a:ext uri="{FF2B5EF4-FFF2-40B4-BE49-F238E27FC236}">
-                <a16:creationId xmlns:a16="http://schemas.microsoft.com/office/drawing/2014/main" id="{B17AADFA-8D69-265E-C5FE-59AB01F0128D}"/>
+                <a16:creationId xmlns:a16="http://schemas.microsoft.com/office/drawing/2014/main" id="{F3D96BBC-92EF-5708-FE03-52612B6824CF}"/>
               </a:ext>
             </a:extLst>
           </p:cNvPr>
@@ -840,7 +840,7 @@
           <p:cNvPr id="4" name="日期占位符 3">
             <a:extLst>
               <a:ext uri="{FF2B5EF4-FFF2-40B4-BE49-F238E27FC236}">
-                <a16:creationId xmlns:a16="http://schemas.microsoft.com/office/drawing/2014/main" id="{6E5168D1-585F-64D8-A404-0B31FC27F26B}"/>
+                <a16:creationId xmlns:a16="http://schemas.microsoft.com/office/drawing/2014/main" id="{BE245ABB-B0BB-2584-D5C7-78CA3E970C3A}"/>
               </a:ext>
             </a:extLst>
           </p:cNvPr>
@@ -856,7 +856,7 @@
           <a:bodyPr/>
           <a:lstStyle/>
           <a:p>
-            <a:fld id="{4A5B5DF9-4ACB-47ED-943A-F3A3B12B7394}" type="datetimeFigureOut">
+            <a:fld id="{1C5965E6-2484-425C-AF3F-FFC1A3A713AE}" type="datetimeFigureOut">
               <a:rPr lang="zh-CN" altLang="en-US" smtClean="0"/>
               <a:t>2024/3/10</a:t>
             </a:fld>
@@ -869,7 +869,7 @@
           <p:cNvPr id="5" name="页脚占位符 4">
             <a:extLst>
               <a:ext uri="{FF2B5EF4-FFF2-40B4-BE49-F238E27FC236}">
-                <a16:creationId xmlns:a16="http://schemas.microsoft.com/office/drawing/2014/main" id="{DE60701D-2FEA-97FE-3845-BDA4D3F5564A}"/>
+                <a16:creationId xmlns:a16="http://schemas.microsoft.com/office/drawing/2014/main" id="{8BE879D3-E2D4-44BC-39AD-6B221BE375C4}"/>
               </a:ext>
             </a:extLst>
           </p:cNvPr>
@@ -894,7 +894,7 @@
           <p:cNvPr id="6" name="灯片编号占位符 5">
             <a:extLst>
               <a:ext uri="{FF2B5EF4-FFF2-40B4-BE49-F238E27FC236}">
-                <a16:creationId xmlns:a16="http://schemas.microsoft.com/office/drawing/2014/main" id="{A065AAA1-8F0A-F70A-99ED-5352D8B25756}"/>
+                <a16:creationId xmlns:a16="http://schemas.microsoft.com/office/drawing/2014/main" id="{932AE598-8935-533D-6C64-F9E4C70CD6D7}"/>
               </a:ext>
             </a:extLst>
           </p:cNvPr>
@@ -910,7 +910,7 @@
           <a:bodyPr/>
           <a:lstStyle/>
           <a:p>
-            <a:fld id="{CEBE8C77-AB4B-48F0-A74E-B6A38C21CB2D}" type="slidenum">
+            <a:fld id="{1B2AABF7-AD18-4DA6-B784-FD7E0A61CCF2}" type="slidenum">
               <a:rPr lang="zh-CN" altLang="en-US" smtClean="0"/>
               <a:t>‹#›</a:t>
             </a:fld>
@@ -921,7 +921,7 @@
     </p:spTree>
     <p:extLst>
       <p:ext uri="{BB962C8B-B14F-4D97-AF65-F5344CB8AC3E}">
-        <p14:creationId xmlns:p14="http://schemas.microsoft.com/office/powerpoint/2010/main" val="3738876601"/>
+        <p14:creationId xmlns:p14="http://schemas.microsoft.com/office/powerpoint/2010/main" val="1492187106"/>
       </p:ext>
     </p:extLst>
   </p:cSld>
@@ -953,7 +953,7 @@
           <p:cNvPr id="2" name="标题 1">
             <a:extLst>
               <a:ext uri="{FF2B5EF4-FFF2-40B4-BE49-F238E27FC236}">
-                <a16:creationId xmlns:a16="http://schemas.microsoft.com/office/drawing/2014/main" id="{FAF02E2D-CFDC-FD45-0DBE-97E6C9FDF47B}"/>
+                <a16:creationId xmlns:a16="http://schemas.microsoft.com/office/drawing/2014/main" id="{A0C0B967-DB6D-DE3C-AF77-D48365CA303E}"/>
               </a:ext>
             </a:extLst>
           </p:cNvPr>
@@ -990,7 +990,7 @@
           <p:cNvPr id="3" name="文本占位符 2">
             <a:extLst>
               <a:ext uri="{FF2B5EF4-FFF2-40B4-BE49-F238E27FC236}">
-                <a16:creationId xmlns:a16="http://schemas.microsoft.com/office/drawing/2014/main" id="{2D0AD789-6DDA-4420-3978-FEACE1F8B364}"/>
+                <a16:creationId xmlns:a16="http://schemas.microsoft.com/office/drawing/2014/main" id="{11C3F933-C994-4BF8-D6B3-4BA82A14EC37}"/>
               </a:ext>
             </a:extLst>
           </p:cNvPr>
@@ -1115,7 +1115,7 @@
           <p:cNvPr id="4" name="日期占位符 3">
             <a:extLst>
               <a:ext uri="{FF2B5EF4-FFF2-40B4-BE49-F238E27FC236}">
-                <a16:creationId xmlns:a16="http://schemas.microsoft.com/office/drawing/2014/main" id="{111F2B66-138E-A463-FF7A-FE028B25FE50}"/>
+                <a16:creationId xmlns:a16="http://schemas.microsoft.com/office/drawing/2014/main" id="{8A82CF7B-3533-F820-772A-6A612D7B496C}"/>
               </a:ext>
             </a:extLst>
           </p:cNvPr>
@@ -1131,7 +1131,7 @@
           <a:bodyPr/>
           <a:lstStyle/>
           <a:p>
-            <a:fld id="{4A5B5DF9-4ACB-47ED-943A-F3A3B12B7394}" type="datetimeFigureOut">
+            <a:fld id="{1C5965E6-2484-425C-AF3F-FFC1A3A713AE}" type="datetimeFigureOut">
               <a:rPr lang="zh-CN" altLang="en-US" smtClean="0"/>
               <a:t>2024/3/10</a:t>
             </a:fld>
@@ -1144,7 +1144,7 @@
           <p:cNvPr id="5" name="页脚占位符 4">
             <a:extLst>
               <a:ext uri="{FF2B5EF4-FFF2-40B4-BE49-F238E27FC236}">
-                <a16:creationId xmlns:a16="http://schemas.microsoft.com/office/drawing/2014/main" id="{5EF3448F-50B5-D43A-FE71-C44E23B8F072}"/>
+                <a16:creationId xmlns:a16="http://schemas.microsoft.com/office/drawing/2014/main" id="{F3D87146-FF49-5467-F974-B7DB94A41463}"/>
               </a:ext>
             </a:extLst>
           </p:cNvPr>
@@ -1169,7 +1169,7 @@
           <p:cNvPr id="6" name="灯片编号占位符 5">
             <a:extLst>
               <a:ext uri="{FF2B5EF4-FFF2-40B4-BE49-F238E27FC236}">
-                <a16:creationId xmlns:a16="http://schemas.microsoft.com/office/drawing/2014/main" id="{5C210CCB-33B0-EF7A-10A2-8307D306958E}"/>
+                <a16:creationId xmlns:a16="http://schemas.microsoft.com/office/drawing/2014/main" id="{37AB5FB9-28C7-1823-92BC-FD3C496BC14E}"/>
               </a:ext>
             </a:extLst>
           </p:cNvPr>
@@ -1185,7 +1185,7 @@
           <a:bodyPr/>
           <a:lstStyle/>
           <a:p>
-            <a:fld id="{CEBE8C77-AB4B-48F0-A74E-B6A38C21CB2D}" type="slidenum">
+            <a:fld id="{1B2AABF7-AD18-4DA6-B784-FD7E0A61CCF2}" type="slidenum">
               <a:rPr lang="zh-CN" altLang="en-US" smtClean="0"/>
               <a:t>‹#›</a:t>
             </a:fld>
@@ -1196,7 +1196,7 @@
     </p:spTree>
     <p:extLst>
       <p:ext uri="{BB962C8B-B14F-4D97-AF65-F5344CB8AC3E}">
-        <p14:creationId xmlns:p14="http://schemas.microsoft.com/office/powerpoint/2010/main" val="1183162475"/>
+        <p14:creationId xmlns:p14="http://schemas.microsoft.com/office/powerpoint/2010/main" val="1756349519"/>
       </p:ext>
     </p:extLst>
   </p:cSld>
@@ -1228,7 +1228,7 @@
           <p:cNvPr id="2" name="标题 1">
             <a:extLst>
               <a:ext uri="{FF2B5EF4-FFF2-40B4-BE49-F238E27FC236}">
-                <a16:creationId xmlns:a16="http://schemas.microsoft.com/office/drawing/2014/main" id="{1FEC7245-DF6E-DED8-630B-BE985D5925CE}"/>
+                <a16:creationId xmlns:a16="http://schemas.microsoft.com/office/drawing/2014/main" id="{C0676E28-1AD9-BACB-F025-D5F8C4594785}"/>
               </a:ext>
             </a:extLst>
           </p:cNvPr>
@@ -1256,7 +1256,7 @@
           <p:cNvPr id="3" name="内容占位符 2">
             <a:extLst>
               <a:ext uri="{FF2B5EF4-FFF2-40B4-BE49-F238E27FC236}">
-                <a16:creationId xmlns:a16="http://schemas.microsoft.com/office/drawing/2014/main" id="{FB8EA6CC-460F-88E4-D981-34AA839E8394}"/>
+                <a16:creationId xmlns:a16="http://schemas.microsoft.com/office/drawing/2014/main" id="{99EBEF68-09FA-0945-145E-9DC4EF8A0AFF}"/>
               </a:ext>
             </a:extLst>
           </p:cNvPr>
@@ -1318,7 +1318,7 @@
           <p:cNvPr id="4" name="内容占位符 3">
             <a:extLst>
               <a:ext uri="{FF2B5EF4-FFF2-40B4-BE49-F238E27FC236}">
-                <a16:creationId xmlns:a16="http://schemas.microsoft.com/office/drawing/2014/main" id="{59EA014A-1D25-7A5B-1086-AB39308F8474}"/>
+                <a16:creationId xmlns:a16="http://schemas.microsoft.com/office/drawing/2014/main" id="{11D5A1D5-475D-AE1C-2E7D-5AE7509C9359}"/>
               </a:ext>
             </a:extLst>
           </p:cNvPr>
@@ -1380,7 +1380,7 @@
           <p:cNvPr id="5" name="日期占位符 4">
             <a:extLst>
               <a:ext uri="{FF2B5EF4-FFF2-40B4-BE49-F238E27FC236}">
-                <a16:creationId xmlns:a16="http://schemas.microsoft.com/office/drawing/2014/main" id="{9B904C54-73F4-457B-19A0-215A6534C685}"/>
+                <a16:creationId xmlns:a16="http://schemas.microsoft.com/office/drawing/2014/main" id="{9F202700-0D0D-EB1C-6F45-E79314ACCA35}"/>
               </a:ext>
             </a:extLst>
           </p:cNvPr>
@@ -1396,7 +1396,7 @@
           <a:bodyPr/>
           <a:lstStyle/>
           <a:p>
-            <a:fld id="{4A5B5DF9-4ACB-47ED-943A-F3A3B12B7394}" type="datetimeFigureOut">
+            <a:fld id="{1C5965E6-2484-425C-AF3F-FFC1A3A713AE}" type="datetimeFigureOut">
               <a:rPr lang="zh-CN" altLang="en-US" smtClean="0"/>
               <a:t>2024/3/10</a:t>
             </a:fld>
@@ -1409,7 +1409,7 @@
           <p:cNvPr id="6" name="页脚占位符 5">
             <a:extLst>
               <a:ext uri="{FF2B5EF4-FFF2-40B4-BE49-F238E27FC236}">
-                <a16:creationId xmlns:a16="http://schemas.microsoft.com/office/drawing/2014/main" id="{CE9955FA-D2EB-7FF7-C8F8-9AE916512C3D}"/>
+                <a16:creationId xmlns:a16="http://schemas.microsoft.com/office/drawing/2014/main" id="{1220EE5F-1BBE-6817-DF6A-4067F12B4309}"/>
               </a:ext>
             </a:extLst>
           </p:cNvPr>
@@ -1434,7 +1434,7 @@
           <p:cNvPr id="7" name="灯片编号占位符 6">
             <a:extLst>
               <a:ext uri="{FF2B5EF4-FFF2-40B4-BE49-F238E27FC236}">
-                <a16:creationId xmlns:a16="http://schemas.microsoft.com/office/drawing/2014/main" id="{D7A7F026-725E-AA70-192E-3B8878E93D9B}"/>
+                <a16:creationId xmlns:a16="http://schemas.microsoft.com/office/drawing/2014/main" id="{92B46F22-E7F5-9FE8-7C1D-CEA19BF1C1D1}"/>
               </a:ext>
             </a:extLst>
           </p:cNvPr>
@@ -1450,7 +1450,7 @@
           <a:bodyPr/>
           <a:lstStyle/>
           <a:p>
-            <a:fld id="{CEBE8C77-AB4B-48F0-A74E-B6A38C21CB2D}" type="slidenum">
+            <a:fld id="{1B2AABF7-AD18-4DA6-B784-FD7E0A61CCF2}" type="slidenum">
               <a:rPr lang="zh-CN" altLang="en-US" smtClean="0"/>
               <a:t>‹#›</a:t>
             </a:fld>
@@ -1461,7 +1461,7 @@
     </p:spTree>
     <p:extLst>
       <p:ext uri="{BB962C8B-B14F-4D97-AF65-F5344CB8AC3E}">
-        <p14:creationId xmlns:p14="http://schemas.microsoft.com/office/powerpoint/2010/main" val="2156499814"/>
+        <p14:creationId xmlns:p14="http://schemas.microsoft.com/office/powerpoint/2010/main" val="1067414055"/>
       </p:ext>
     </p:extLst>
   </p:cSld>
@@ -1493,7 +1493,7 @@
           <p:cNvPr id="2" name="标题 1">
             <a:extLst>
               <a:ext uri="{FF2B5EF4-FFF2-40B4-BE49-F238E27FC236}">
-                <a16:creationId xmlns:a16="http://schemas.microsoft.com/office/drawing/2014/main" id="{BFBF0393-E218-4C18-E6BA-4B11A70D5426}"/>
+                <a16:creationId xmlns:a16="http://schemas.microsoft.com/office/drawing/2014/main" id="{515E4871-84D8-A913-268E-E9A1B8AE62D7}"/>
               </a:ext>
             </a:extLst>
           </p:cNvPr>
@@ -1526,7 +1526,7 @@
           <p:cNvPr id="3" name="文本占位符 2">
             <a:extLst>
               <a:ext uri="{FF2B5EF4-FFF2-40B4-BE49-F238E27FC236}">
-                <a16:creationId xmlns:a16="http://schemas.microsoft.com/office/drawing/2014/main" id="{228689E6-984E-B6EC-791E-784AAED5A013}"/>
+                <a16:creationId xmlns:a16="http://schemas.microsoft.com/office/drawing/2014/main" id="{1BB51922-E9FD-BFB9-DE03-88959988B4BB}"/>
               </a:ext>
             </a:extLst>
           </p:cNvPr>
@@ -1597,7 +1597,7 @@
           <p:cNvPr id="4" name="内容占位符 3">
             <a:extLst>
               <a:ext uri="{FF2B5EF4-FFF2-40B4-BE49-F238E27FC236}">
-                <a16:creationId xmlns:a16="http://schemas.microsoft.com/office/drawing/2014/main" id="{83BDDDBF-4A45-45D8-3077-B952BA534CC9}"/>
+                <a16:creationId xmlns:a16="http://schemas.microsoft.com/office/drawing/2014/main" id="{7043E2EB-FE39-0797-CF43-45D437CD51BB}"/>
               </a:ext>
             </a:extLst>
           </p:cNvPr>
@@ -1659,7 +1659,7 @@
           <p:cNvPr id="5" name="文本占位符 4">
             <a:extLst>
               <a:ext uri="{FF2B5EF4-FFF2-40B4-BE49-F238E27FC236}">
-                <a16:creationId xmlns:a16="http://schemas.microsoft.com/office/drawing/2014/main" id="{05300A8B-60A8-FAB7-CF75-0B19D804D3D8}"/>
+                <a16:creationId xmlns:a16="http://schemas.microsoft.com/office/drawing/2014/main" id="{BEAF3E50-78AA-B63D-19A0-7122044824B1}"/>
               </a:ext>
             </a:extLst>
           </p:cNvPr>
@@ -1730,7 +1730,7 @@
           <p:cNvPr id="6" name="内容占位符 5">
             <a:extLst>
               <a:ext uri="{FF2B5EF4-FFF2-40B4-BE49-F238E27FC236}">
-                <a16:creationId xmlns:a16="http://schemas.microsoft.com/office/drawing/2014/main" id="{88A1D6A1-9C8B-7CB6-845F-90CF655FB5EC}"/>
+                <a16:creationId xmlns:a16="http://schemas.microsoft.com/office/drawing/2014/main" id="{77C9D7DB-439B-F938-DB2F-8AEDFD5958AA}"/>
               </a:ext>
             </a:extLst>
           </p:cNvPr>
@@ -1792,7 +1792,7 @@
           <p:cNvPr id="7" name="日期占位符 6">
             <a:extLst>
               <a:ext uri="{FF2B5EF4-FFF2-40B4-BE49-F238E27FC236}">
-                <a16:creationId xmlns:a16="http://schemas.microsoft.com/office/drawing/2014/main" id="{4B91608D-3DEA-D5F4-661D-8A30D63AFBC6}"/>
+                <a16:creationId xmlns:a16="http://schemas.microsoft.com/office/drawing/2014/main" id="{67E3C50D-32C8-743E-FC2B-EF5E0C346BDA}"/>
               </a:ext>
             </a:extLst>
           </p:cNvPr>
@@ -1808,7 +1808,7 @@
           <a:bodyPr/>
           <a:lstStyle/>
           <a:p>
-            <a:fld id="{4A5B5DF9-4ACB-47ED-943A-F3A3B12B7394}" type="datetimeFigureOut">
+            <a:fld id="{1C5965E6-2484-425C-AF3F-FFC1A3A713AE}" type="datetimeFigureOut">
               <a:rPr lang="zh-CN" altLang="en-US" smtClean="0"/>
               <a:t>2024/3/10</a:t>
             </a:fld>
@@ -1821,7 +1821,7 @@
           <p:cNvPr id="8" name="页脚占位符 7">
             <a:extLst>
               <a:ext uri="{FF2B5EF4-FFF2-40B4-BE49-F238E27FC236}">
-                <a16:creationId xmlns:a16="http://schemas.microsoft.com/office/drawing/2014/main" id="{C7D350E7-2ADD-8799-A82E-CEBA41BB797B}"/>
+                <a16:creationId xmlns:a16="http://schemas.microsoft.com/office/drawing/2014/main" id="{A91460E9-8275-B324-DCF0-C16FB744C7E3}"/>
               </a:ext>
             </a:extLst>
           </p:cNvPr>
@@ -1846,7 +1846,7 @@
           <p:cNvPr id="9" name="灯片编号占位符 8">
             <a:extLst>
               <a:ext uri="{FF2B5EF4-FFF2-40B4-BE49-F238E27FC236}">
-                <a16:creationId xmlns:a16="http://schemas.microsoft.com/office/drawing/2014/main" id="{9259CC24-0AC5-9DE3-E4B0-273D989C6849}"/>
+                <a16:creationId xmlns:a16="http://schemas.microsoft.com/office/drawing/2014/main" id="{FD8EEDF2-97FE-8693-880D-4BBB60824CAD}"/>
               </a:ext>
             </a:extLst>
           </p:cNvPr>
@@ -1862,7 +1862,7 @@
           <a:bodyPr/>
           <a:lstStyle/>
           <a:p>
-            <a:fld id="{CEBE8C77-AB4B-48F0-A74E-B6A38C21CB2D}" type="slidenum">
+            <a:fld id="{1B2AABF7-AD18-4DA6-B784-FD7E0A61CCF2}" type="slidenum">
               <a:rPr lang="zh-CN" altLang="en-US" smtClean="0"/>
               <a:t>‹#›</a:t>
             </a:fld>
@@ -1873,7 +1873,7 @@
     </p:spTree>
     <p:extLst>
       <p:ext uri="{BB962C8B-B14F-4D97-AF65-F5344CB8AC3E}">
-        <p14:creationId xmlns:p14="http://schemas.microsoft.com/office/powerpoint/2010/main" val="1188607678"/>
+        <p14:creationId xmlns:p14="http://schemas.microsoft.com/office/powerpoint/2010/main" val="2318682492"/>
       </p:ext>
     </p:extLst>
   </p:cSld>
@@ -1905,7 +1905,7 @@
           <p:cNvPr id="2" name="标题 1">
             <a:extLst>
               <a:ext uri="{FF2B5EF4-FFF2-40B4-BE49-F238E27FC236}">
-                <a16:creationId xmlns:a16="http://schemas.microsoft.com/office/drawing/2014/main" id="{D7DF0A7B-69FE-BD2B-CB12-9B5F03E2FDA2}"/>
+                <a16:creationId xmlns:a16="http://schemas.microsoft.com/office/drawing/2014/main" id="{2AE15065-B973-96CC-503A-FD221D05CAD6}"/>
               </a:ext>
             </a:extLst>
           </p:cNvPr>
@@ -1933,7 +1933,7 @@
           <p:cNvPr id="3" name="日期占位符 2">
             <a:extLst>
               <a:ext uri="{FF2B5EF4-FFF2-40B4-BE49-F238E27FC236}">
-                <a16:creationId xmlns:a16="http://schemas.microsoft.com/office/drawing/2014/main" id="{8B46AE6A-0405-3FBE-A395-AE79A6F0CEB5}"/>
+                <a16:creationId xmlns:a16="http://schemas.microsoft.com/office/drawing/2014/main" id="{9D275777-EF16-CAEB-19BF-41BC2A3BDF42}"/>
               </a:ext>
             </a:extLst>
           </p:cNvPr>
@@ -1949,7 +1949,7 @@
           <a:bodyPr/>
           <a:lstStyle/>
           <a:p>
-            <a:fld id="{4A5B5DF9-4ACB-47ED-943A-F3A3B12B7394}" type="datetimeFigureOut">
+            <a:fld id="{1C5965E6-2484-425C-AF3F-FFC1A3A713AE}" type="datetimeFigureOut">
               <a:rPr lang="zh-CN" altLang="en-US" smtClean="0"/>
               <a:t>2024/3/10</a:t>
             </a:fld>
@@ -1962,7 +1962,7 @@
           <p:cNvPr id="4" name="页脚占位符 3">
             <a:extLst>
               <a:ext uri="{FF2B5EF4-FFF2-40B4-BE49-F238E27FC236}">
-                <a16:creationId xmlns:a16="http://schemas.microsoft.com/office/drawing/2014/main" id="{854D4749-2121-2FA3-12DA-EB586F582591}"/>
+                <a16:creationId xmlns:a16="http://schemas.microsoft.com/office/drawing/2014/main" id="{46E7CF6D-B849-3634-F1AB-ED6DD37C1AD5}"/>
               </a:ext>
             </a:extLst>
           </p:cNvPr>
@@ -1987,7 +1987,7 @@
           <p:cNvPr id="5" name="灯片编号占位符 4">
             <a:extLst>
               <a:ext uri="{FF2B5EF4-FFF2-40B4-BE49-F238E27FC236}">
-                <a16:creationId xmlns:a16="http://schemas.microsoft.com/office/drawing/2014/main" id="{D7EA1CEE-B6CC-8E46-89D9-63B592B84251}"/>
+                <a16:creationId xmlns:a16="http://schemas.microsoft.com/office/drawing/2014/main" id="{B458DE7C-7AA1-FE56-0D47-4E26AAA2640E}"/>
               </a:ext>
             </a:extLst>
           </p:cNvPr>
@@ -2003,7 +2003,7 @@
           <a:bodyPr/>
           <a:lstStyle/>
           <a:p>
-            <a:fld id="{CEBE8C77-AB4B-48F0-A74E-B6A38C21CB2D}" type="slidenum">
+            <a:fld id="{1B2AABF7-AD18-4DA6-B784-FD7E0A61CCF2}" type="slidenum">
               <a:rPr lang="zh-CN" altLang="en-US" smtClean="0"/>
               <a:t>‹#›</a:t>
             </a:fld>
@@ -2014,7 +2014,7 @@
     </p:spTree>
     <p:extLst>
       <p:ext uri="{BB962C8B-B14F-4D97-AF65-F5344CB8AC3E}">
-        <p14:creationId xmlns:p14="http://schemas.microsoft.com/office/powerpoint/2010/main" val="927488833"/>
+        <p14:creationId xmlns:p14="http://schemas.microsoft.com/office/powerpoint/2010/main" val="321547908"/>
       </p:ext>
     </p:extLst>
   </p:cSld>
@@ -2046,7 +2046,7 @@
           <p:cNvPr id="2" name="日期占位符 1">
             <a:extLst>
               <a:ext uri="{FF2B5EF4-FFF2-40B4-BE49-F238E27FC236}">
-                <a16:creationId xmlns:a16="http://schemas.microsoft.com/office/drawing/2014/main" id="{BE38048A-35E7-1FB9-F0D6-2251666A24F3}"/>
+                <a16:creationId xmlns:a16="http://schemas.microsoft.com/office/drawing/2014/main" id="{3170F35B-63FC-59E9-5DEC-B2D9D14BC142}"/>
               </a:ext>
             </a:extLst>
           </p:cNvPr>
@@ -2062,7 +2062,7 @@
           <a:bodyPr/>
           <a:lstStyle/>
           <a:p>
-            <a:fld id="{4A5B5DF9-4ACB-47ED-943A-F3A3B12B7394}" type="datetimeFigureOut">
+            <a:fld id="{1C5965E6-2484-425C-AF3F-FFC1A3A713AE}" type="datetimeFigureOut">
               <a:rPr lang="zh-CN" altLang="en-US" smtClean="0"/>
               <a:t>2024/3/10</a:t>
             </a:fld>
@@ -2075,7 +2075,7 @@
           <p:cNvPr id="3" name="页脚占位符 2">
             <a:extLst>
               <a:ext uri="{FF2B5EF4-FFF2-40B4-BE49-F238E27FC236}">
-                <a16:creationId xmlns:a16="http://schemas.microsoft.com/office/drawing/2014/main" id="{64F04EF6-006F-94C1-A9DB-508752064D40}"/>
+                <a16:creationId xmlns:a16="http://schemas.microsoft.com/office/drawing/2014/main" id="{B51727E1-21C8-F578-B814-FD678A6B5D0E}"/>
               </a:ext>
             </a:extLst>
           </p:cNvPr>
@@ -2100,7 +2100,7 @@
           <p:cNvPr id="4" name="灯片编号占位符 3">
             <a:extLst>
               <a:ext uri="{FF2B5EF4-FFF2-40B4-BE49-F238E27FC236}">
-                <a16:creationId xmlns:a16="http://schemas.microsoft.com/office/drawing/2014/main" id="{E9A99D59-D3AC-41AA-91C3-2B4700B477AC}"/>
+                <a16:creationId xmlns:a16="http://schemas.microsoft.com/office/drawing/2014/main" id="{63DE649A-E7D9-83CF-8605-4BD6BCAC69F4}"/>
               </a:ext>
             </a:extLst>
           </p:cNvPr>
@@ -2116,7 +2116,7 @@
           <a:bodyPr/>
           <a:lstStyle/>
           <a:p>
-            <a:fld id="{CEBE8C77-AB4B-48F0-A74E-B6A38C21CB2D}" type="slidenum">
+            <a:fld id="{1B2AABF7-AD18-4DA6-B784-FD7E0A61CCF2}" type="slidenum">
               <a:rPr lang="zh-CN" altLang="en-US" smtClean="0"/>
               <a:t>‹#›</a:t>
             </a:fld>
@@ -2127,7 +2127,7 @@
     </p:spTree>
     <p:extLst>
       <p:ext uri="{BB962C8B-B14F-4D97-AF65-F5344CB8AC3E}">
-        <p14:creationId xmlns:p14="http://schemas.microsoft.com/office/powerpoint/2010/main" val="3225636635"/>
+        <p14:creationId xmlns:p14="http://schemas.microsoft.com/office/powerpoint/2010/main" val="1552611827"/>
       </p:ext>
     </p:extLst>
   </p:cSld>
@@ -2159,7 +2159,7 @@
           <p:cNvPr id="2" name="标题 1">
             <a:extLst>
               <a:ext uri="{FF2B5EF4-FFF2-40B4-BE49-F238E27FC236}">
-                <a16:creationId xmlns:a16="http://schemas.microsoft.com/office/drawing/2014/main" id="{52A9FFE8-288B-EF93-D563-18E4CD81CF07}"/>
+                <a16:creationId xmlns:a16="http://schemas.microsoft.com/office/drawing/2014/main" id="{701645BD-E4CE-03CD-9653-D321681C65BC}"/>
               </a:ext>
             </a:extLst>
           </p:cNvPr>
@@ -2196,7 +2196,7 @@
           <p:cNvPr id="3" name="内容占位符 2">
             <a:extLst>
               <a:ext uri="{FF2B5EF4-FFF2-40B4-BE49-F238E27FC236}">
-                <a16:creationId xmlns:a16="http://schemas.microsoft.com/office/drawing/2014/main" id="{E2EEF252-5653-32F9-9771-A5A665B40A92}"/>
+                <a16:creationId xmlns:a16="http://schemas.microsoft.com/office/drawing/2014/main" id="{BC010466-069C-8C72-22DA-C2F4FE2622A2}"/>
               </a:ext>
             </a:extLst>
           </p:cNvPr>
@@ -2286,7 +2286,7 @@
           <p:cNvPr id="4" name="文本占位符 3">
             <a:extLst>
               <a:ext uri="{FF2B5EF4-FFF2-40B4-BE49-F238E27FC236}">
-                <a16:creationId xmlns:a16="http://schemas.microsoft.com/office/drawing/2014/main" id="{E990F1AD-DC0F-7437-DA49-60EEE8F137E6}"/>
+                <a16:creationId xmlns:a16="http://schemas.microsoft.com/office/drawing/2014/main" id="{2CD608F0-6CA4-1E2C-835C-4C861A61C7D5}"/>
               </a:ext>
             </a:extLst>
           </p:cNvPr>
@@ -2357,7 +2357,7 @@
           <p:cNvPr id="5" name="日期占位符 4">
             <a:extLst>
               <a:ext uri="{FF2B5EF4-FFF2-40B4-BE49-F238E27FC236}">
-                <a16:creationId xmlns:a16="http://schemas.microsoft.com/office/drawing/2014/main" id="{BBEE52BF-88C4-E341-256E-6434996D5764}"/>
+                <a16:creationId xmlns:a16="http://schemas.microsoft.com/office/drawing/2014/main" id="{57AF739A-9504-3A63-7672-5D6C7928C364}"/>
               </a:ext>
             </a:extLst>
           </p:cNvPr>
@@ -2373,7 +2373,7 @@
           <a:bodyPr/>
           <a:lstStyle/>
           <a:p>
-            <a:fld id="{4A5B5DF9-4ACB-47ED-943A-F3A3B12B7394}" type="datetimeFigureOut">
+            <a:fld id="{1C5965E6-2484-425C-AF3F-FFC1A3A713AE}" type="datetimeFigureOut">
               <a:rPr lang="zh-CN" altLang="en-US" smtClean="0"/>
               <a:t>2024/3/10</a:t>
             </a:fld>
@@ -2386,7 +2386,7 @@
           <p:cNvPr id="6" name="页脚占位符 5">
             <a:extLst>
               <a:ext uri="{FF2B5EF4-FFF2-40B4-BE49-F238E27FC236}">
-                <a16:creationId xmlns:a16="http://schemas.microsoft.com/office/drawing/2014/main" id="{19F3A8F7-0A95-F818-66A5-318A8A984E4E}"/>
+                <a16:creationId xmlns:a16="http://schemas.microsoft.com/office/drawing/2014/main" id="{1192E5B0-56F4-3CD8-02BC-94298CA7F13C}"/>
               </a:ext>
             </a:extLst>
           </p:cNvPr>
@@ -2411,7 +2411,7 @@
           <p:cNvPr id="7" name="灯片编号占位符 6">
             <a:extLst>
               <a:ext uri="{FF2B5EF4-FFF2-40B4-BE49-F238E27FC236}">
-                <a16:creationId xmlns:a16="http://schemas.microsoft.com/office/drawing/2014/main" id="{2879F21D-9215-A83A-C9FC-F5067BC02694}"/>
+                <a16:creationId xmlns:a16="http://schemas.microsoft.com/office/drawing/2014/main" id="{99AC6A8E-0EFE-63E2-46AC-EDD66F4C1B15}"/>
               </a:ext>
             </a:extLst>
           </p:cNvPr>
@@ -2427,7 +2427,7 @@
           <a:bodyPr/>
           <a:lstStyle/>
           <a:p>
-            <a:fld id="{CEBE8C77-AB4B-48F0-A74E-B6A38C21CB2D}" type="slidenum">
+            <a:fld id="{1B2AABF7-AD18-4DA6-B784-FD7E0A61CCF2}" type="slidenum">
               <a:rPr lang="zh-CN" altLang="en-US" smtClean="0"/>
               <a:t>‹#›</a:t>
             </a:fld>
@@ -2438,7 +2438,7 @@
     </p:spTree>
     <p:extLst>
       <p:ext uri="{BB962C8B-B14F-4D97-AF65-F5344CB8AC3E}">
-        <p14:creationId xmlns:p14="http://schemas.microsoft.com/office/powerpoint/2010/main" val="1946398263"/>
+        <p14:creationId xmlns:p14="http://schemas.microsoft.com/office/powerpoint/2010/main" val="871055154"/>
       </p:ext>
     </p:extLst>
   </p:cSld>
@@ -2470,7 +2470,7 @@
           <p:cNvPr id="2" name="标题 1">
             <a:extLst>
               <a:ext uri="{FF2B5EF4-FFF2-40B4-BE49-F238E27FC236}">
-                <a16:creationId xmlns:a16="http://schemas.microsoft.com/office/drawing/2014/main" id="{B9968C71-0587-75FD-BB85-820E707DA3A0}"/>
+                <a16:creationId xmlns:a16="http://schemas.microsoft.com/office/drawing/2014/main" id="{9575CD35-9F64-896D-1443-2A92FD076392}"/>
               </a:ext>
             </a:extLst>
           </p:cNvPr>
@@ -2507,7 +2507,7 @@
           <p:cNvPr id="3" name="图片占位符 2">
             <a:extLst>
               <a:ext uri="{FF2B5EF4-FFF2-40B4-BE49-F238E27FC236}">
-                <a16:creationId xmlns:a16="http://schemas.microsoft.com/office/drawing/2014/main" id="{659CC4CF-F089-BEB8-99BA-C4DD55A6981A}"/>
+                <a16:creationId xmlns:a16="http://schemas.microsoft.com/office/drawing/2014/main" id="{F6144960-B59C-3573-D0B3-D72CFB8CFFCF}"/>
               </a:ext>
             </a:extLst>
           </p:cNvPr>
@@ -2574,7 +2574,7 @@
           <p:cNvPr id="4" name="文本占位符 3">
             <a:extLst>
               <a:ext uri="{FF2B5EF4-FFF2-40B4-BE49-F238E27FC236}">
-                <a16:creationId xmlns:a16="http://schemas.microsoft.com/office/drawing/2014/main" id="{255FB75C-8D75-FC17-C798-CB69C7B09ADB}"/>
+                <a16:creationId xmlns:a16="http://schemas.microsoft.com/office/drawing/2014/main" id="{258B16FC-A56F-8D77-6B6F-2FB9529DA5BD}"/>
               </a:ext>
             </a:extLst>
           </p:cNvPr>
@@ -2645,7 +2645,7 @@
           <p:cNvPr id="5" name="日期占位符 4">
             <a:extLst>
               <a:ext uri="{FF2B5EF4-FFF2-40B4-BE49-F238E27FC236}">
-                <a16:creationId xmlns:a16="http://schemas.microsoft.com/office/drawing/2014/main" id="{0D03CF5B-D7CD-C775-586A-E084972DD287}"/>
+                <a16:creationId xmlns:a16="http://schemas.microsoft.com/office/drawing/2014/main" id="{0747AE1D-A730-0435-133C-491F47FE5611}"/>
               </a:ext>
             </a:extLst>
           </p:cNvPr>
@@ -2661,7 +2661,7 @@
           <a:bodyPr/>
           <a:lstStyle/>
           <a:p>
-            <a:fld id="{4A5B5DF9-4ACB-47ED-943A-F3A3B12B7394}" type="datetimeFigureOut">
+            <a:fld id="{1C5965E6-2484-425C-AF3F-FFC1A3A713AE}" type="datetimeFigureOut">
               <a:rPr lang="zh-CN" altLang="en-US" smtClean="0"/>
               <a:t>2024/3/10</a:t>
             </a:fld>
@@ -2674,7 +2674,7 @@
           <p:cNvPr id="6" name="页脚占位符 5">
             <a:extLst>
               <a:ext uri="{FF2B5EF4-FFF2-40B4-BE49-F238E27FC236}">
-                <a16:creationId xmlns:a16="http://schemas.microsoft.com/office/drawing/2014/main" id="{46F5A74C-4B5D-12D7-095E-B0619164A7B5}"/>
+                <a16:creationId xmlns:a16="http://schemas.microsoft.com/office/drawing/2014/main" id="{BDBD51C6-6EC9-084F-63ED-368749EEFB7C}"/>
               </a:ext>
             </a:extLst>
           </p:cNvPr>
@@ -2699,7 +2699,7 @@
           <p:cNvPr id="7" name="灯片编号占位符 6">
             <a:extLst>
               <a:ext uri="{FF2B5EF4-FFF2-40B4-BE49-F238E27FC236}">
-                <a16:creationId xmlns:a16="http://schemas.microsoft.com/office/drawing/2014/main" id="{A75F4368-35FD-B311-4903-A968C2CEB9B4}"/>
+                <a16:creationId xmlns:a16="http://schemas.microsoft.com/office/drawing/2014/main" id="{0F682B28-24FF-AFB1-62C5-DAC36D6D1ABF}"/>
               </a:ext>
             </a:extLst>
           </p:cNvPr>
@@ -2715,7 +2715,7 @@
           <a:bodyPr/>
           <a:lstStyle/>
           <a:p>
-            <a:fld id="{CEBE8C77-AB4B-48F0-A74E-B6A38C21CB2D}" type="slidenum">
+            <a:fld id="{1B2AABF7-AD18-4DA6-B784-FD7E0A61CCF2}" type="slidenum">
               <a:rPr lang="zh-CN" altLang="en-US" smtClean="0"/>
               <a:t>‹#›</a:t>
             </a:fld>
@@ -2726,7 +2726,7 @@
     </p:spTree>
     <p:extLst>
       <p:ext uri="{BB962C8B-B14F-4D97-AF65-F5344CB8AC3E}">
-        <p14:creationId xmlns:p14="http://schemas.microsoft.com/office/powerpoint/2010/main" val="3494669792"/>
+        <p14:creationId xmlns:p14="http://schemas.microsoft.com/office/powerpoint/2010/main" val="141562304"/>
       </p:ext>
     </p:extLst>
   </p:cSld>
@@ -2763,7 +2763,7 @@
           <p:cNvPr id="2" name="标题占位符 1">
             <a:extLst>
               <a:ext uri="{FF2B5EF4-FFF2-40B4-BE49-F238E27FC236}">
-                <a16:creationId xmlns:a16="http://schemas.microsoft.com/office/drawing/2014/main" id="{CCC9AD53-73B7-BA73-BAB9-4DF3EDEFA0E1}"/>
+                <a16:creationId xmlns:a16="http://schemas.microsoft.com/office/drawing/2014/main" id="{310D42AA-0DC6-78F6-E81C-C738D4E2A048}"/>
               </a:ext>
             </a:extLst>
           </p:cNvPr>
@@ -2801,7 +2801,7 @@
           <p:cNvPr id="3" name="文本占位符 2">
             <a:extLst>
               <a:ext uri="{FF2B5EF4-FFF2-40B4-BE49-F238E27FC236}">
-                <a16:creationId xmlns:a16="http://schemas.microsoft.com/office/drawing/2014/main" id="{33AAD5B9-866D-148C-52E5-6B5685815400}"/>
+                <a16:creationId xmlns:a16="http://schemas.microsoft.com/office/drawing/2014/main" id="{572E07B0-E818-7D25-707C-4514B1494B8A}"/>
               </a:ext>
             </a:extLst>
           </p:cNvPr>
@@ -2868,7 +2868,7 @@
           <p:cNvPr id="4" name="日期占位符 3">
             <a:extLst>
               <a:ext uri="{FF2B5EF4-FFF2-40B4-BE49-F238E27FC236}">
-                <a16:creationId xmlns:a16="http://schemas.microsoft.com/office/drawing/2014/main" id="{864BC104-838F-0016-0413-24DF6F485CB8}"/>
+                <a16:creationId xmlns:a16="http://schemas.microsoft.com/office/drawing/2014/main" id="{16F79EDC-AA94-A394-D6F7-F267729C8AA2}"/>
               </a:ext>
             </a:extLst>
           </p:cNvPr>
@@ -2902,7 +2902,7 @@
             </a:lvl1pPr>
           </a:lstStyle>
           <a:p>
-            <a:fld id="{4A5B5DF9-4ACB-47ED-943A-F3A3B12B7394}" type="datetimeFigureOut">
+            <a:fld id="{1C5965E6-2484-425C-AF3F-FFC1A3A713AE}" type="datetimeFigureOut">
               <a:rPr lang="zh-CN" altLang="en-US" smtClean="0"/>
               <a:t>2024/3/10</a:t>
             </a:fld>
@@ -2915,7 +2915,7 @@
           <p:cNvPr id="5" name="页脚占位符 4">
             <a:extLst>
               <a:ext uri="{FF2B5EF4-FFF2-40B4-BE49-F238E27FC236}">
-                <a16:creationId xmlns:a16="http://schemas.microsoft.com/office/drawing/2014/main" id="{2C1332B7-B0A1-4AF6-9BC2-DDA9822F4D89}"/>
+                <a16:creationId xmlns:a16="http://schemas.microsoft.com/office/drawing/2014/main" id="{666A6A0D-CD90-A37D-491F-5BB772AA51AA}"/>
               </a:ext>
             </a:extLst>
           </p:cNvPr>
@@ -2958,7 +2958,7 @@
           <p:cNvPr id="6" name="灯片编号占位符 5">
             <a:extLst>
               <a:ext uri="{FF2B5EF4-FFF2-40B4-BE49-F238E27FC236}">
-                <a16:creationId xmlns:a16="http://schemas.microsoft.com/office/drawing/2014/main" id="{C3121624-066F-38A3-0B41-C7E00497E38E}"/>
+                <a16:creationId xmlns:a16="http://schemas.microsoft.com/office/drawing/2014/main" id="{68615BED-61BB-215F-E6D0-5830828E8897}"/>
               </a:ext>
             </a:extLst>
           </p:cNvPr>
@@ -2992,7 +2992,7 @@
             </a:lvl1pPr>
           </a:lstStyle>
           <a:p>
-            <a:fld id="{CEBE8C77-AB4B-48F0-A74E-B6A38C21CB2D}" type="slidenum">
+            <a:fld id="{1B2AABF7-AD18-4DA6-B784-FD7E0A61CCF2}" type="slidenum">
               <a:rPr lang="zh-CN" altLang="en-US" smtClean="0"/>
               <a:t>‹#›</a:t>
             </a:fld>
@@ -3003,7 +3003,7 @@
     </p:spTree>
     <p:extLst>
       <p:ext uri="{BB962C8B-B14F-4D97-AF65-F5344CB8AC3E}">
-        <p14:creationId xmlns:p14="http://schemas.microsoft.com/office/powerpoint/2010/main" val="2913866874"/>
+        <p14:creationId xmlns:p14="http://schemas.microsoft.com/office/powerpoint/2010/main" val="3385581178"/>
       </p:ext>
     </p:extLst>
   </p:cSld>
